--- a/Virtual screen GS raw data/WaveDeltaVScompounds2.4.24.pptx
+++ b/Virtual screen GS raw data/WaveDeltaVScompounds2.4.24.pptx
@@ -125,6 +125,50 @@
 </p:presentation>
 </file>
 
+<file path=ppt/changesInfos/changesInfo1.xml><?xml version="1.0" encoding="utf-8"?>
+<pc:chgInfo xmlns:a="http://schemas.openxmlformats.org/drawingml/2006/main" xmlns:r="http://schemas.openxmlformats.org/officeDocument/2006/relationships" xmlns:ac="http://schemas.microsoft.com/office/drawing/2013/main/command" xmlns:pc="http://schemas.microsoft.com/office/powerpoint/2013/main/command">
+  <pc:docChgLst>
+    <pc:chgData name="Isaksson, Rebecka" userId="473d5df5-6db8-48a7-b87f-a86c85ecdcdc" providerId="ADAL" clId="{2321C14E-CAFD-4218-A1F5-A7A2E826CE56}"/>
+    <pc:docChg chg="modSld">
+      <pc:chgData name="Isaksson, Rebecka" userId="473d5df5-6db8-48a7-b87f-a86c85ecdcdc" providerId="ADAL" clId="{2321C14E-CAFD-4218-A1F5-A7A2E826CE56}" dt="2024-04-16T16:09:59.221" v="3" actId="20577"/>
+      <pc:docMkLst>
+        <pc:docMk/>
+      </pc:docMkLst>
+      <pc:sldChg chg="modSp mod">
+        <pc:chgData name="Isaksson, Rebecka" userId="473d5df5-6db8-48a7-b87f-a86c85ecdcdc" providerId="ADAL" clId="{2321C14E-CAFD-4218-A1F5-A7A2E826CE56}" dt="2024-04-16T16:09:59.221" v="3" actId="20577"/>
+        <pc:sldMkLst>
+          <pc:docMk/>
+          <pc:sldMk cId="2968205828" sldId="257"/>
+        </pc:sldMkLst>
+        <pc:spChg chg="mod">
+          <ac:chgData name="Isaksson, Rebecka" userId="473d5df5-6db8-48a7-b87f-a86c85ecdcdc" providerId="ADAL" clId="{2321C14E-CAFD-4218-A1F5-A7A2E826CE56}" dt="2024-04-16T16:09:59.221" v="3" actId="20577"/>
+          <ac:spMkLst>
+            <pc:docMk/>
+            <pc:sldMk cId="2968205828" sldId="257"/>
+            <ac:spMk id="22" creationId="{00000000-0000-0000-0000-000000000000}"/>
+          </ac:spMkLst>
+        </pc:spChg>
+      </pc:sldChg>
+      <pc:sldChg chg="modSp mod">
+        <pc:chgData name="Isaksson, Rebecka" userId="473d5df5-6db8-48a7-b87f-a86c85ecdcdc" providerId="ADAL" clId="{2321C14E-CAFD-4218-A1F5-A7A2E826CE56}" dt="2024-04-16T16:09:54.719" v="1" actId="20577"/>
+        <pc:sldMkLst>
+          <pc:docMk/>
+          <pc:sldMk cId="2722088696" sldId="258"/>
+        </pc:sldMkLst>
+        <pc:spChg chg="mod">
+          <ac:chgData name="Isaksson, Rebecka" userId="473d5df5-6db8-48a7-b87f-a86c85ecdcdc" providerId="ADAL" clId="{2321C14E-CAFD-4218-A1F5-A7A2E826CE56}" dt="2024-04-16T16:09:54.719" v="1" actId="20577"/>
+          <ac:spMkLst>
+            <pc:docMk/>
+            <pc:sldMk cId="2722088696" sldId="258"/>
+            <ac:spMk id="13" creationId="{00000000-0000-0000-0000-000000000000}"/>
+          </ac:spMkLst>
+        </pc:spChg>
+      </pc:sldChg>
+    </pc:docChg>
+  </pc:docChgLst>
+</pc:chgInfo>
+</file>
+
 <file path=ppt/slideLayouts/slideLayout1.xml><?xml version="1.0" encoding="utf-8"?>
 <p:sldLayout xmlns:a="http://schemas.openxmlformats.org/drawingml/2006/main" xmlns:r="http://schemas.openxmlformats.org/officeDocument/2006/relationships" xmlns:p="http://schemas.openxmlformats.org/presentationml/2006/main" type="title" preserve="1">
   <p:cSld name="Title Slide">
@@ -167,10 +211,9 @@
           </a:lstStyle>
           <a:p>
             <a:r>
-              <a:rPr lang="en-US" smtClean="0"/>
+              <a:rPr lang="en-US"/>
               <a:t>Click to edit Master title style</a:t>
             </a:r>
-            <a:endParaRPr lang="en-US"/>
           </a:p>
         </p:txBody>
       </p:sp>
@@ -232,10 +275,9 @@
           </a:lstStyle>
           <a:p>
             <a:r>
-              <a:rPr lang="en-US" smtClean="0"/>
+              <a:rPr lang="en-US"/>
               <a:t>Click to edit Master subtitle style</a:t>
             </a:r>
-            <a:endParaRPr lang="en-US"/>
           </a:p>
         </p:txBody>
       </p:sp>
@@ -256,7 +298,7 @@
           <a:p>
             <a:fld id="{8BFEBF9E-B7BB-45EB-8855-100092F24F3E}" type="datetimeFigureOut">
               <a:rPr lang="en-US" smtClean="0"/>
-              <a:t>2/9/2024</a:t>
+              <a:t>4/16/2024</a:t>
             </a:fld>
             <a:endParaRPr lang="en-US"/>
           </a:p>
@@ -350,10 +392,9 @@
           <a:lstStyle/>
           <a:p>
             <a:r>
-              <a:rPr lang="en-US" smtClean="0"/>
+              <a:rPr lang="en-US"/>
               <a:t>Click to edit Master title style</a:t>
             </a:r>
-            <a:endParaRPr lang="en-US"/>
           </a:p>
         </p:txBody>
       </p:sp>
@@ -374,38 +415,37 @@
           <a:p>
             <a:pPr lvl="0"/>
             <a:r>
-              <a:rPr lang="en-US" smtClean="0"/>
+              <a:rPr lang="en-US"/>
               <a:t>Edit Master text styles</a:t>
             </a:r>
           </a:p>
           <a:p>
             <a:pPr lvl="1"/>
             <a:r>
-              <a:rPr lang="en-US" smtClean="0"/>
+              <a:rPr lang="en-US"/>
               <a:t>Second level</a:t>
             </a:r>
           </a:p>
           <a:p>
             <a:pPr lvl="2"/>
             <a:r>
-              <a:rPr lang="en-US" smtClean="0"/>
+              <a:rPr lang="en-US"/>
               <a:t>Third level</a:t>
             </a:r>
           </a:p>
           <a:p>
             <a:pPr lvl="3"/>
             <a:r>
-              <a:rPr lang="en-US" smtClean="0"/>
+              <a:rPr lang="en-US"/>
               <a:t>Fourth level</a:t>
             </a:r>
           </a:p>
           <a:p>
             <a:pPr lvl="4"/>
             <a:r>
-              <a:rPr lang="en-US" smtClean="0"/>
+              <a:rPr lang="en-US"/>
               <a:t>Fifth level</a:t>
             </a:r>
-            <a:endParaRPr lang="en-US"/>
           </a:p>
         </p:txBody>
       </p:sp>
@@ -426,7 +466,7 @@
           <a:p>
             <a:fld id="{8BFEBF9E-B7BB-45EB-8855-100092F24F3E}" type="datetimeFigureOut">
               <a:rPr lang="en-US" smtClean="0"/>
-              <a:t>2/9/2024</a:t>
+              <a:t>4/16/2024</a:t>
             </a:fld>
             <a:endParaRPr lang="en-US"/>
           </a:p>
@@ -525,10 +565,9 @@
           <a:lstStyle/>
           <a:p>
             <a:r>
-              <a:rPr lang="en-US" smtClean="0"/>
+              <a:rPr lang="en-US"/>
               <a:t>Click to edit Master title style</a:t>
             </a:r>
-            <a:endParaRPr lang="en-US"/>
           </a:p>
         </p:txBody>
       </p:sp>
@@ -554,38 +593,37 @@
           <a:p>
             <a:pPr lvl="0"/>
             <a:r>
-              <a:rPr lang="en-US" smtClean="0"/>
+              <a:rPr lang="en-US"/>
               <a:t>Edit Master text styles</a:t>
             </a:r>
           </a:p>
           <a:p>
             <a:pPr lvl="1"/>
             <a:r>
-              <a:rPr lang="en-US" smtClean="0"/>
+              <a:rPr lang="en-US"/>
               <a:t>Second level</a:t>
             </a:r>
           </a:p>
           <a:p>
             <a:pPr lvl="2"/>
             <a:r>
-              <a:rPr lang="en-US" smtClean="0"/>
+              <a:rPr lang="en-US"/>
               <a:t>Third level</a:t>
             </a:r>
           </a:p>
           <a:p>
             <a:pPr lvl="3"/>
             <a:r>
-              <a:rPr lang="en-US" smtClean="0"/>
+              <a:rPr lang="en-US"/>
               <a:t>Fourth level</a:t>
             </a:r>
           </a:p>
           <a:p>
             <a:pPr lvl="4"/>
             <a:r>
-              <a:rPr lang="en-US" smtClean="0"/>
+              <a:rPr lang="en-US"/>
               <a:t>Fifth level</a:t>
             </a:r>
-            <a:endParaRPr lang="en-US"/>
           </a:p>
         </p:txBody>
       </p:sp>
@@ -606,7 +644,7 @@
           <a:p>
             <a:fld id="{8BFEBF9E-B7BB-45EB-8855-100092F24F3E}" type="datetimeFigureOut">
               <a:rPr lang="en-US" smtClean="0"/>
-              <a:t>2/9/2024</a:t>
+              <a:t>4/16/2024</a:t>
             </a:fld>
             <a:endParaRPr lang="en-US"/>
           </a:p>
@@ -700,10 +738,9 @@
           <a:lstStyle/>
           <a:p>
             <a:r>
-              <a:rPr lang="en-US" smtClean="0"/>
+              <a:rPr lang="en-US"/>
               <a:t>Click to edit Master title style</a:t>
             </a:r>
-            <a:endParaRPr lang="en-US"/>
           </a:p>
         </p:txBody>
       </p:sp>
@@ -724,38 +761,37 @@
           <a:p>
             <a:pPr lvl="0"/>
             <a:r>
-              <a:rPr lang="en-US" smtClean="0"/>
+              <a:rPr lang="en-US"/>
               <a:t>Edit Master text styles</a:t>
             </a:r>
           </a:p>
           <a:p>
             <a:pPr lvl="1"/>
             <a:r>
-              <a:rPr lang="en-US" smtClean="0"/>
+              <a:rPr lang="en-US"/>
               <a:t>Second level</a:t>
             </a:r>
           </a:p>
           <a:p>
             <a:pPr lvl="2"/>
             <a:r>
-              <a:rPr lang="en-US" smtClean="0"/>
+              <a:rPr lang="en-US"/>
               <a:t>Third level</a:t>
             </a:r>
           </a:p>
           <a:p>
             <a:pPr lvl="3"/>
             <a:r>
-              <a:rPr lang="en-US" smtClean="0"/>
+              <a:rPr lang="en-US"/>
               <a:t>Fourth level</a:t>
             </a:r>
           </a:p>
           <a:p>
             <a:pPr lvl="4"/>
             <a:r>
-              <a:rPr lang="en-US" smtClean="0"/>
+              <a:rPr lang="en-US"/>
               <a:t>Fifth level</a:t>
             </a:r>
-            <a:endParaRPr lang="en-US"/>
           </a:p>
         </p:txBody>
       </p:sp>
@@ -776,7 +812,7 @@
           <a:p>
             <a:fld id="{8BFEBF9E-B7BB-45EB-8855-100092F24F3E}" type="datetimeFigureOut">
               <a:rPr lang="en-US" smtClean="0"/>
-              <a:t>2/9/2024</a:t>
+              <a:t>4/16/2024</a:t>
             </a:fld>
             <a:endParaRPr lang="en-US"/>
           </a:p>
@@ -879,10 +915,9 @@
           </a:lstStyle>
           <a:p>
             <a:r>
-              <a:rPr lang="en-US" smtClean="0"/>
+              <a:rPr lang="en-US"/>
               <a:t>Click to edit Master title style</a:t>
             </a:r>
-            <a:endParaRPr lang="en-US"/>
           </a:p>
         </p:txBody>
       </p:sp>
@@ -999,7 +1034,7 @@
           <a:p>
             <a:pPr lvl="0"/>
             <a:r>
-              <a:rPr lang="en-US" smtClean="0"/>
+              <a:rPr lang="en-US"/>
               <a:t>Edit Master text styles</a:t>
             </a:r>
           </a:p>
@@ -1022,7 +1057,7 @@
           <a:p>
             <a:fld id="{8BFEBF9E-B7BB-45EB-8855-100092F24F3E}" type="datetimeFigureOut">
               <a:rPr lang="en-US" smtClean="0"/>
-              <a:t>2/9/2024</a:t>
+              <a:t>4/16/2024</a:t>
             </a:fld>
             <a:endParaRPr lang="en-US"/>
           </a:p>
@@ -1116,10 +1151,9 @@
           <a:lstStyle/>
           <a:p>
             <a:r>
-              <a:rPr lang="en-US" smtClean="0"/>
+              <a:rPr lang="en-US"/>
               <a:t>Click to edit Master title style</a:t>
             </a:r>
-            <a:endParaRPr lang="en-US"/>
           </a:p>
         </p:txBody>
       </p:sp>
@@ -1145,38 +1179,37 @@
           <a:p>
             <a:pPr lvl="0"/>
             <a:r>
-              <a:rPr lang="en-US" smtClean="0"/>
+              <a:rPr lang="en-US"/>
               <a:t>Edit Master text styles</a:t>
             </a:r>
           </a:p>
           <a:p>
             <a:pPr lvl="1"/>
             <a:r>
-              <a:rPr lang="en-US" smtClean="0"/>
+              <a:rPr lang="en-US"/>
               <a:t>Second level</a:t>
             </a:r>
           </a:p>
           <a:p>
             <a:pPr lvl="2"/>
             <a:r>
-              <a:rPr lang="en-US" smtClean="0"/>
+              <a:rPr lang="en-US"/>
               <a:t>Third level</a:t>
             </a:r>
           </a:p>
           <a:p>
             <a:pPr lvl="3"/>
             <a:r>
-              <a:rPr lang="en-US" smtClean="0"/>
+              <a:rPr lang="en-US"/>
               <a:t>Fourth level</a:t>
             </a:r>
           </a:p>
           <a:p>
             <a:pPr lvl="4"/>
             <a:r>
-              <a:rPr lang="en-US" smtClean="0"/>
+              <a:rPr lang="en-US"/>
               <a:t>Fifth level</a:t>
             </a:r>
-            <a:endParaRPr lang="en-US"/>
           </a:p>
         </p:txBody>
       </p:sp>
@@ -1202,38 +1235,37 @@
           <a:p>
             <a:pPr lvl="0"/>
             <a:r>
-              <a:rPr lang="en-US" smtClean="0"/>
+              <a:rPr lang="en-US"/>
               <a:t>Edit Master text styles</a:t>
             </a:r>
           </a:p>
           <a:p>
             <a:pPr lvl="1"/>
             <a:r>
-              <a:rPr lang="en-US" smtClean="0"/>
+              <a:rPr lang="en-US"/>
               <a:t>Second level</a:t>
             </a:r>
           </a:p>
           <a:p>
             <a:pPr lvl="2"/>
             <a:r>
-              <a:rPr lang="en-US" smtClean="0"/>
+              <a:rPr lang="en-US"/>
               <a:t>Third level</a:t>
             </a:r>
           </a:p>
           <a:p>
             <a:pPr lvl="3"/>
             <a:r>
-              <a:rPr lang="en-US" smtClean="0"/>
+              <a:rPr lang="en-US"/>
               <a:t>Fourth level</a:t>
             </a:r>
           </a:p>
           <a:p>
             <a:pPr lvl="4"/>
             <a:r>
-              <a:rPr lang="en-US" smtClean="0"/>
+              <a:rPr lang="en-US"/>
               <a:t>Fifth level</a:t>
             </a:r>
-            <a:endParaRPr lang="en-US"/>
           </a:p>
         </p:txBody>
       </p:sp>
@@ -1254,7 +1286,7 @@
           <a:p>
             <a:fld id="{8BFEBF9E-B7BB-45EB-8855-100092F24F3E}" type="datetimeFigureOut">
               <a:rPr lang="en-US" smtClean="0"/>
-              <a:t>2/9/2024</a:t>
+              <a:t>4/16/2024</a:t>
             </a:fld>
             <a:endParaRPr lang="en-US"/>
           </a:p>
@@ -1353,10 +1385,9 @@
           <a:lstStyle/>
           <a:p>
             <a:r>
-              <a:rPr lang="en-US" smtClean="0"/>
+              <a:rPr lang="en-US"/>
               <a:t>Click to edit Master title style</a:t>
             </a:r>
-            <a:endParaRPr lang="en-US"/>
           </a:p>
         </p:txBody>
       </p:sp>
@@ -1419,7 +1450,7 @@
           <a:p>
             <a:pPr lvl="0"/>
             <a:r>
-              <a:rPr lang="en-US" smtClean="0"/>
+              <a:rPr lang="en-US"/>
               <a:t>Edit Master text styles</a:t>
             </a:r>
           </a:p>
@@ -1447,38 +1478,37 @@
           <a:p>
             <a:pPr lvl="0"/>
             <a:r>
-              <a:rPr lang="en-US" smtClean="0"/>
+              <a:rPr lang="en-US"/>
               <a:t>Edit Master text styles</a:t>
             </a:r>
           </a:p>
           <a:p>
             <a:pPr lvl="1"/>
             <a:r>
-              <a:rPr lang="en-US" smtClean="0"/>
+              <a:rPr lang="en-US"/>
               <a:t>Second level</a:t>
             </a:r>
           </a:p>
           <a:p>
             <a:pPr lvl="2"/>
             <a:r>
-              <a:rPr lang="en-US" smtClean="0"/>
+              <a:rPr lang="en-US"/>
               <a:t>Third level</a:t>
             </a:r>
           </a:p>
           <a:p>
             <a:pPr lvl="3"/>
             <a:r>
-              <a:rPr lang="en-US" smtClean="0"/>
+              <a:rPr lang="en-US"/>
               <a:t>Fourth level</a:t>
             </a:r>
           </a:p>
           <a:p>
             <a:pPr lvl="4"/>
             <a:r>
-              <a:rPr lang="en-US" smtClean="0"/>
+              <a:rPr lang="en-US"/>
               <a:t>Fifth level</a:t>
             </a:r>
-            <a:endParaRPr lang="en-US"/>
           </a:p>
         </p:txBody>
       </p:sp>
@@ -1541,7 +1571,7 @@
           <a:p>
             <a:pPr lvl="0"/>
             <a:r>
-              <a:rPr lang="en-US" smtClean="0"/>
+              <a:rPr lang="en-US"/>
               <a:t>Edit Master text styles</a:t>
             </a:r>
           </a:p>
@@ -1569,38 +1599,37 @@
           <a:p>
             <a:pPr lvl="0"/>
             <a:r>
-              <a:rPr lang="en-US" smtClean="0"/>
+              <a:rPr lang="en-US"/>
               <a:t>Edit Master text styles</a:t>
             </a:r>
           </a:p>
           <a:p>
             <a:pPr lvl="1"/>
             <a:r>
-              <a:rPr lang="en-US" smtClean="0"/>
+              <a:rPr lang="en-US"/>
               <a:t>Second level</a:t>
             </a:r>
           </a:p>
           <a:p>
             <a:pPr lvl="2"/>
             <a:r>
-              <a:rPr lang="en-US" smtClean="0"/>
+              <a:rPr lang="en-US"/>
               <a:t>Third level</a:t>
             </a:r>
           </a:p>
           <a:p>
             <a:pPr lvl="3"/>
             <a:r>
-              <a:rPr lang="en-US" smtClean="0"/>
+              <a:rPr lang="en-US"/>
               <a:t>Fourth level</a:t>
             </a:r>
           </a:p>
           <a:p>
             <a:pPr lvl="4"/>
             <a:r>
-              <a:rPr lang="en-US" smtClean="0"/>
+              <a:rPr lang="en-US"/>
               <a:t>Fifth level</a:t>
             </a:r>
-            <a:endParaRPr lang="en-US"/>
           </a:p>
         </p:txBody>
       </p:sp>
@@ -1621,7 +1650,7 @@
           <a:p>
             <a:fld id="{8BFEBF9E-B7BB-45EB-8855-100092F24F3E}" type="datetimeFigureOut">
               <a:rPr lang="en-US" smtClean="0"/>
-              <a:t>2/9/2024</a:t>
+              <a:t>4/16/2024</a:t>
             </a:fld>
             <a:endParaRPr lang="en-US"/>
           </a:p>
@@ -1715,10 +1744,9 @@
           <a:lstStyle/>
           <a:p>
             <a:r>
-              <a:rPr lang="en-US" smtClean="0"/>
+              <a:rPr lang="en-US"/>
               <a:t>Click to edit Master title style</a:t>
             </a:r>
-            <a:endParaRPr lang="en-US"/>
           </a:p>
         </p:txBody>
       </p:sp>
@@ -1739,7 +1767,7 @@
           <a:p>
             <a:fld id="{8BFEBF9E-B7BB-45EB-8855-100092F24F3E}" type="datetimeFigureOut">
               <a:rPr lang="en-US" smtClean="0"/>
-              <a:t>2/9/2024</a:t>
+              <a:t>4/16/2024</a:t>
             </a:fld>
             <a:endParaRPr lang="en-US"/>
           </a:p>
@@ -1834,7 +1862,7 @@
           <a:p>
             <a:fld id="{8BFEBF9E-B7BB-45EB-8855-100092F24F3E}" type="datetimeFigureOut">
               <a:rPr lang="en-US" smtClean="0"/>
-              <a:t>2/9/2024</a:t>
+              <a:t>4/16/2024</a:t>
             </a:fld>
             <a:endParaRPr lang="en-US"/>
           </a:p>
@@ -1937,10 +1965,9 @@
           </a:lstStyle>
           <a:p>
             <a:r>
-              <a:rPr lang="en-US" smtClean="0"/>
+              <a:rPr lang="en-US"/>
               <a:t>Click to edit Master title style</a:t>
             </a:r>
-            <a:endParaRPr lang="en-US"/>
           </a:p>
         </p:txBody>
       </p:sp>
@@ -1994,38 +2021,37 @@
           <a:p>
             <a:pPr lvl="0"/>
             <a:r>
-              <a:rPr lang="en-US" smtClean="0"/>
+              <a:rPr lang="en-US"/>
               <a:t>Edit Master text styles</a:t>
             </a:r>
           </a:p>
           <a:p>
             <a:pPr lvl="1"/>
             <a:r>
-              <a:rPr lang="en-US" smtClean="0"/>
+              <a:rPr lang="en-US"/>
               <a:t>Second level</a:t>
             </a:r>
           </a:p>
           <a:p>
             <a:pPr lvl="2"/>
             <a:r>
-              <a:rPr lang="en-US" smtClean="0"/>
+              <a:rPr lang="en-US"/>
               <a:t>Third level</a:t>
             </a:r>
           </a:p>
           <a:p>
             <a:pPr lvl="3"/>
             <a:r>
-              <a:rPr lang="en-US" smtClean="0"/>
+              <a:rPr lang="en-US"/>
               <a:t>Fourth level</a:t>
             </a:r>
           </a:p>
           <a:p>
             <a:pPr lvl="4"/>
             <a:r>
-              <a:rPr lang="en-US" smtClean="0"/>
+              <a:rPr lang="en-US"/>
               <a:t>Fifth level</a:t>
             </a:r>
-            <a:endParaRPr lang="en-US"/>
           </a:p>
         </p:txBody>
       </p:sp>
@@ -2088,7 +2114,7 @@
           <a:p>
             <a:pPr lvl="0"/>
             <a:r>
-              <a:rPr lang="en-US" smtClean="0"/>
+              <a:rPr lang="en-US"/>
               <a:t>Edit Master text styles</a:t>
             </a:r>
           </a:p>
@@ -2111,7 +2137,7 @@
           <a:p>
             <a:fld id="{8BFEBF9E-B7BB-45EB-8855-100092F24F3E}" type="datetimeFigureOut">
               <a:rPr lang="en-US" smtClean="0"/>
-              <a:t>2/9/2024</a:t>
+              <a:t>4/16/2024</a:t>
             </a:fld>
             <a:endParaRPr lang="en-US"/>
           </a:p>
@@ -2214,10 +2240,9 @@
           </a:lstStyle>
           <a:p>
             <a:r>
-              <a:rPr lang="en-US" smtClean="0"/>
+              <a:rPr lang="en-US"/>
               <a:t>Click to edit Master title style</a:t>
             </a:r>
-            <a:endParaRPr lang="en-US"/>
           </a:p>
         </p:txBody>
       </p:sp>
@@ -2341,7 +2366,7 @@
           <a:p>
             <a:pPr lvl="0"/>
             <a:r>
-              <a:rPr lang="en-US" smtClean="0"/>
+              <a:rPr lang="en-US"/>
               <a:t>Edit Master text styles</a:t>
             </a:r>
           </a:p>
@@ -2364,7 +2389,7 @@
           <a:p>
             <a:fld id="{8BFEBF9E-B7BB-45EB-8855-100092F24F3E}" type="datetimeFigureOut">
               <a:rPr lang="en-US" smtClean="0"/>
-              <a:t>2/9/2024</a:t>
+              <a:t>4/16/2024</a:t>
             </a:fld>
             <a:endParaRPr lang="en-US"/>
           </a:p>
@@ -2473,10 +2498,9 @@
           <a:lstStyle/>
           <a:p>
             <a:r>
-              <a:rPr lang="en-US" smtClean="0"/>
+              <a:rPr lang="en-US"/>
               <a:t>Click to edit Master title style</a:t>
             </a:r>
-            <a:endParaRPr lang="en-US"/>
           </a:p>
         </p:txBody>
       </p:sp>
@@ -2507,38 +2531,37 @@
           <a:p>
             <a:pPr lvl="0"/>
             <a:r>
-              <a:rPr lang="en-US" smtClean="0"/>
+              <a:rPr lang="en-US"/>
               <a:t>Edit Master text styles</a:t>
             </a:r>
           </a:p>
           <a:p>
             <a:pPr lvl="1"/>
             <a:r>
-              <a:rPr lang="en-US" smtClean="0"/>
+              <a:rPr lang="en-US"/>
               <a:t>Second level</a:t>
             </a:r>
           </a:p>
           <a:p>
             <a:pPr lvl="2"/>
             <a:r>
-              <a:rPr lang="en-US" smtClean="0"/>
+              <a:rPr lang="en-US"/>
               <a:t>Third level</a:t>
             </a:r>
           </a:p>
           <a:p>
             <a:pPr lvl="3"/>
             <a:r>
-              <a:rPr lang="en-US" smtClean="0"/>
+              <a:rPr lang="en-US"/>
               <a:t>Fourth level</a:t>
             </a:r>
           </a:p>
           <a:p>
             <a:pPr lvl="4"/>
             <a:r>
-              <a:rPr lang="en-US" smtClean="0"/>
+              <a:rPr lang="en-US"/>
               <a:t>Fifth level</a:t>
             </a:r>
-            <a:endParaRPr lang="en-US"/>
           </a:p>
         </p:txBody>
       </p:sp>
@@ -2577,7 +2600,7 @@
           <a:p>
             <a:fld id="{8BFEBF9E-B7BB-45EB-8855-100092F24F3E}" type="datetimeFigureOut">
               <a:rPr lang="en-US" smtClean="0"/>
-              <a:t>2/9/2024</a:t>
+              <a:t>4/16/2024</a:t>
             </a:fld>
             <a:endParaRPr lang="en-US"/>
           </a:p>
@@ -3137,16 +3160,12 @@
           <a:lstStyle/>
           <a:p>
             <a:r>
-              <a:rPr lang="en-US" sz="1400" b="1" dirty="0" smtClean="0">
+              <a:rPr lang="en-US" sz="1400" b="1" dirty="0">
                 <a:latin typeface="Arial" panose="020B0604020202020204" pitchFamily="34" charset="0"/>
                 <a:cs typeface="Arial" panose="020B0604020202020204" pitchFamily="34" charset="0"/>
               </a:rPr>
               <a:t>RA00003301-01</a:t>
             </a:r>
-            <a:endParaRPr lang="en-US" sz="1400" b="1" dirty="0">
-              <a:latin typeface="Arial" panose="020B0604020202020204" pitchFamily="34" charset="0"/>
-              <a:cs typeface="Arial" panose="020B0604020202020204" pitchFamily="34" charset="0"/>
-            </a:endParaRPr>
           </a:p>
         </p:txBody>
       </p:sp>
@@ -3172,7 +3191,7 @@
           <a:lstStyle/>
           <a:p>
             <a:r>
-              <a:rPr lang="en-US" sz="2400" b="1" dirty="0" smtClean="0">
+              <a:rPr lang="en-US" sz="2400" b="1" dirty="0">
                 <a:solidFill>
                   <a:srgbClr val="000000"/>
                 </a:solidFill>
@@ -3215,16 +3234,12 @@
               <a:buChar char="•"/>
             </a:pPr>
             <a:r>
-              <a:rPr lang="en-US" dirty="0" smtClean="0">
+              <a:rPr lang="en-US" dirty="0">
                 <a:latin typeface="Arial" panose="020B0604020202020204" pitchFamily="34" charset="0"/>
                 <a:cs typeface="Arial" panose="020B0604020202020204" pitchFamily="34" charset="0"/>
               </a:rPr>
               <a:t>Rapid Kinetic analysis (30 µM)</a:t>
             </a:r>
-            <a:endParaRPr lang="en-US" dirty="0">
-              <a:latin typeface="Arial" panose="020B0604020202020204" pitchFamily="34" charset="0"/>
-              <a:cs typeface="Arial" panose="020B0604020202020204" pitchFamily="34" charset="0"/>
-            </a:endParaRPr>
           </a:p>
         </p:txBody>
       </p:sp>
@@ -3255,30 +3270,12 @@
               <a:buChar char="•"/>
             </a:pPr>
             <a:r>
-              <a:rPr lang="en-US" dirty="0" smtClean="0">
+              <a:rPr lang="en-US" dirty="0">
                 <a:latin typeface="Arial" panose="020B0604020202020204" pitchFamily="34" charset="0"/>
                 <a:cs typeface="Arial" panose="020B0604020202020204" pitchFamily="34" charset="0"/>
               </a:rPr>
-              <a:t>Traditional Kinetic analysis; </a:t>
-            </a:r>
-            <a:r>
-              <a:rPr lang="en-US" dirty="0" smtClean="0">
-                <a:latin typeface="Arial" panose="020B0604020202020204" pitchFamily="34" charset="0"/>
-                <a:cs typeface="Arial" panose="020B0604020202020204" pitchFamily="34" charset="0"/>
-              </a:rPr>
-              <a:t>(30 µM starting concentration; </a:t>
-            </a:r>
-            <a:r>
-              <a:rPr lang="en-US" dirty="0" smtClean="0">
-                <a:latin typeface="Arial" panose="020B0604020202020204" pitchFamily="34" charset="0"/>
-                <a:cs typeface="Arial" panose="020B0604020202020204" pitchFamily="34" charset="0"/>
-              </a:rPr>
-              <a:t>8 2-fold dilutions)</a:t>
-            </a:r>
-            <a:endParaRPr lang="en-US" dirty="0">
-              <a:latin typeface="Arial" panose="020B0604020202020204" pitchFamily="34" charset="0"/>
-              <a:cs typeface="Arial" panose="020B0604020202020204" pitchFamily="34" charset="0"/>
-            </a:endParaRPr>
+              <a:t>Traditional Kinetic analysis; (30 µM starting concentration; 8 2-fold dilutions)</a:t>
+            </a:r>
           </a:p>
         </p:txBody>
       </p:sp>
@@ -3376,23 +3373,19 @@
           <a:lstStyle/>
           <a:p>
             <a:r>
-              <a:rPr lang="en-US" sz="1400" dirty="0" err="1" smtClean="0">
+              <a:rPr lang="en-US" sz="1400" dirty="0" err="1">
                 <a:latin typeface="Arial" panose="020B0604020202020204" pitchFamily="34" charset="0"/>
                 <a:cs typeface="Arial" panose="020B0604020202020204" pitchFamily="34" charset="0"/>
               </a:rPr>
               <a:t>Kd</a:t>
             </a:r>
             <a:r>
-              <a:rPr lang="en-US" sz="1400" dirty="0" smtClean="0">
+              <a:rPr lang="en-US" sz="1400" dirty="0">
                 <a:latin typeface="Arial" panose="020B0604020202020204" pitchFamily="34" charset="0"/>
                 <a:cs typeface="Arial" panose="020B0604020202020204" pitchFamily="34" charset="0"/>
               </a:rPr>
               <a:t> 16.2 µM</a:t>
             </a:r>
-            <a:endParaRPr lang="en-US" sz="1400" dirty="0">
-              <a:latin typeface="Arial" panose="020B0604020202020204" pitchFamily="34" charset="0"/>
-              <a:cs typeface="Arial" panose="020B0604020202020204" pitchFamily="34" charset="0"/>
-            </a:endParaRPr>
           </a:p>
         </p:txBody>
       </p:sp>
@@ -3419,23 +3412,19 @@
           <a:lstStyle/>
           <a:p>
             <a:r>
-              <a:rPr lang="en-US" sz="1400" dirty="0" err="1" smtClean="0">
+              <a:rPr lang="en-US" sz="1400" dirty="0" err="1">
                 <a:latin typeface="Arial" panose="020B0604020202020204" pitchFamily="34" charset="0"/>
                 <a:cs typeface="Arial" panose="020B0604020202020204" pitchFamily="34" charset="0"/>
               </a:rPr>
               <a:t>Kd</a:t>
             </a:r>
             <a:r>
-              <a:rPr lang="en-US" sz="1400" dirty="0" smtClean="0">
+              <a:rPr lang="en-US" sz="1400" dirty="0">
                 <a:latin typeface="Arial" panose="020B0604020202020204" pitchFamily="34" charset="0"/>
                 <a:cs typeface="Arial" panose="020B0604020202020204" pitchFamily="34" charset="0"/>
               </a:rPr>
               <a:t> 26.6 µM</a:t>
             </a:r>
-            <a:endParaRPr lang="en-US" sz="1400" dirty="0">
-              <a:latin typeface="Arial" panose="020B0604020202020204" pitchFamily="34" charset="0"/>
-              <a:cs typeface="Arial" panose="020B0604020202020204" pitchFamily="34" charset="0"/>
-            </a:endParaRPr>
           </a:p>
         </p:txBody>
       </p:sp>
@@ -3462,23 +3451,19 @@
           <a:lstStyle/>
           <a:p>
             <a:r>
-              <a:rPr lang="en-US" sz="1400" dirty="0" err="1" smtClean="0">
+              <a:rPr lang="en-US" sz="1400" dirty="0" err="1">
                 <a:latin typeface="Arial" panose="020B0604020202020204" pitchFamily="34" charset="0"/>
                 <a:cs typeface="Arial" panose="020B0604020202020204" pitchFamily="34" charset="0"/>
               </a:rPr>
               <a:t>Kd</a:t>
             </a:r>
             <a:r>
-              <a:rPr lang="en-US" sz="1400" dirty="0" smtClean="0">
+              <a:rPr lang="en-US" sz="1400" dirty="0">
                 <a:latin typeface="Arial" panose="020B0604020202020204" pitchFamily="34" charset="0"/>
                 <a:cs typeface="Arial" panose="020B0604020202020204" pitchFamily="34" charset="0"/>
               </a:rPr>
               <a:t> 78.8 µM</a:t>
             </a:r>
-            <a:endParaRPr lang="en-US" sz="1400" dirty="0">
-              <a:latin typeface="Arial" panose="020B0604020202020204" pitchFamily="34" charset="0"/>
-              <a:cs typeface="Arial" panose="020B0604020202020204" pitchFamily="34" charset="0"/>
-            </a:endParaRPr>
           </a:p>
         </p:txBody>
       </p:sp>
@@ -3544,7 +3529,7 @@
         <p:spPr>
           <a:xfrm>
             <a:off x="4308729" y="1371975"/>
-            <a:ext cx="1546962" cy="307777"/>
+            <a:ext cx="1556836" cy="307777"/>
           </a:xfrm>
           <a:prstGeom prst="rect">
             <a:avLst/>
@@ -3560,16 +3545,12 @@
           <a:lstStyle/>
           <a:p>
             <a:r>
-              <a:rPr lang="en-US" sz="1400" b="1" dirty="0" smtClean="0">
+              <a:rPr lang="en-US" sz="1400" b="1" dirty="0">
                 <a:latin typeface="Arial" panose="020B0604020202020204" pitchFamily="34" charset="0"/>
                 <a:cs typeface="Arial" panose="020B0604020202020204" pitchFamily="34" charset="0"/>
               </a:rPr>
-              <a:t>RA-00003118-01</a:t>
-            </a:r>
-            <a:endParaRPr lang="en-US" sz="1400" b="1" dirty="0">
-              <a:latin typeface="Arial" panose="020B0604020202020204" pitchFamily="34" charset="0"/>
-              <a:cs typeface="Arial" panose="020B0604020202020204" pitchFamily="34" charset="0"/>
-            </a:endParaRPr>
+              <a:t>RA-00003318-01</a:t>
+            </a:r>
           </a:p>
         </p:txBody>
       </p:sp>
@@ -3679,23 +3660,19 @@
           <a:lstStyle/>
           <a:p>
             <a:r>
-              <a:rPr lang="en-US" sz="1400" dirty="0" err="1" smtClean="0">
+              <a:rPr lang="en-US" sz="1400" dirty="0" err="1">
                 <a:latin typeface="Arial" panose="020B0604020202020204" pitchFamily="34" charset="0"/>
                 <a:cs typeface="Arial" panose="020B0604020202020204" pitchFamily="34" charset="0"/>
               </a:rPr>
               <a:t>Kd</a:t>
             </a:r>
             <a:r>
-              <a:rPr lang="en-US" sz="1400" dirty="0" smtClean="0">
+              <a:rPr lang="en-US" sz="1400" dirty="0">
                 <a:latin typeface="Arial" panose="020B0604020202020204" pitchFamily="34" charset="0"/>
                 <a:cs typeface="Arial" panose="020B0604020202020204" pitchFamily="34" charset="0"/>
               </a:rPr>
               <a:t> 43.4 µM</a:t>
             </a:r>
-            <a:endParaRPr lang="en-US" sz="1400" dirty="0">
-              <a:latin typeface="Arial" panose="020B0604020202020204" pitchFamily="34" charset="0"/>
-              <a:cs typeface="Arial" panose="020B0604020202020204" pitchFamily="34" charset="0"/>
-            </a:endParaRPr>
           </a:p>
         </p:txBody>
       </p:sp>
@@ -3724,16 +3701,12 @@
           <a:lstStyle/>
           <a:p>
             <a:r>
-              <a:rPr lang="en-US" sz="1400" b="1" dirty="0" smtClean="0">
+              <a:rPr lang="en-US" sz="1400" b="1" dirty="0">
                 <a:latin typeface="Arial" panose="020B0604020202020204" pitchFamily="34" charset="0"/>
                 <a:cs typeface="Arial" panose="020B0604020202020204" pitchFamily="34" charset="0"/>
               </a:rPr>
               <a:t>RA-00003272-01</a:t>
             </a:r>
-            <a:endParaRPr lang="en-US" sz="1400" b="1" dirty="0">
-              <a:latin typeface="Arial" panose="020B0604020202020204" pitchFamily="34" charset="0"/>
-              <a:cs typeface="Arial" panose="020B0604020202020204" pitchFamily="34" charset="0"/>
-            </a:endParaRPr>
           </a:p>
         </p:txBody>
       </p:sp>
@@ -3759,7 +3732,7 @@
           <a:lstStyle/>
           <a:p>
             <a:r>
-              <a:rPr lang="en-US" sz="1400" b="1" dirty="0" smtClean="0">
+              <a:rPr lang="en-US" sz="1400" b="1" dirty="0">
                 <a:solidFill>
                   <a:srgbClr val="000000"/>
                 </a:solidFill>
@@ -3769,16 +3742,12 @@
               <a:t>UNC10414568A</a:t>
             </a:r>
             <a:r>
-              <a:rPr lang="en-US" sz="1400" b="1" dirty="0" smtClean="0">
+              <a:rPr lang="en-US" sz="1400" b="1" dirty="0">
                 <a:latin typeface="Arial" panose="020B0604020202020204" pitchFamily="34" charset="0"/>
                 <a:cs typeface="Arial" panose="020B0604020202020204" pitchFamily="34" charset="0"/>
               </a:rPr>
               <a:t> </a:t>
             </a:r>
-            <a:endParaRPr lang="en-US" sz="1400" b="1" dirty="0">
-              <a:latin typeface="Arial" panose="020B0604020202020204" pitchFamily="34" charset="0"/>
-              <a:cs typeface="Arial" panose="020B0604020202020204" pitchFamily="34" charset="0"/>
-            </a:endParaRPr>
           </a:p>
         </p:txBody>
       </p:sp>
@@ -3805,23 +3774,19 @@
           <a:lstStyle/>
           <a:p>
             <a:r>
-              <a:rPr lang="en-US" sz="1400" dirty="0" err="1" smtClean="0">
+              <a:rPr lang="en-US" sz="1400" dirty="0" err="1">
                 <a:latin typeface="Arial" panose="020B0604020202020204" pitchFamily="34" charset="0"/>
                 <a:cs typeface="Arial" panose="020B0604020202020204" pitchFamily="34" charset="0"/>
               </a:rPr>
               <a:t>Kd</a:t>
             </a:r>
             <a:r>
-              <a:rPr lang="en-US" sz="1400" dirty="0" smtClean="0">
+              <a:rPr lang="en-US" sz="1400" dirty="0">
                 <a:latin typeface="Arial" panose="020B0604020202020204" pitchFamily="34" charset="0"/>
                 <a:cs typeface="Arial" panose="020B0604020202020204" pitchFamily="34" charset="0"/>
               </a:rPr>
               <a:t> 53.7 µM</a:t>
             </a:r>
-            <a:endParaRPr lang="en-US" sz="1400" dirty="0">
-              <a:latin typeface="Arial" panose="020B0604020202020204" pitchFamily="34" charset="0"/>
-              <a:cs typeface="Arial" panose="020B0604020202020204" pitchFamily="34" charset="0"/>
-            </a:endParaRPr>
           </a:p>
         </p:txBody>
       </p:sp>
@@ -3848,23 +3813,19 @@
           <a:lstStyle/>
           <a:p>
             <a:r>
-              <a:rPr lang="en-US" sz="1400" dirty="0" err="1" smtClean="0">
+              <a:rPr lang="en-US" sz="1400" dirty="0" err="1">
                 <a:latin typeface="Arial" panose="020B0604020202020204" pitchFamily="34" charset="0"/>
                 <a:cs typeface="Arial" panose="020B0604020202020204" pitchFamily="34" charset="0"/>
               </a:rPr>
               <a:t>Kd</a:t>
             </a:r>
             <a:r>
-              <a:rPr lang="en-US" sz="1400" dirty="0" smtClean="0">
+              <a:rPr lang="en-US" sz="1400" dirty="0">
                 <a:latin typeface="Arial" panose="020B0604020202020204" pitchFamily="34" charset="0"/>
                 <a:cs typeface="Arial" panose="020B0604020202020204" pitchFamily="34" charset="0"/>
               </a:rPr>
               <a:t> 219.4 µM</a:t>
             </a:r>
-            <a:endParaRPr lang="en-US" sz="1400" dirty="0">
-              <a:latin typeface="Arial" panose="020B0604020202020204" pitchFamily="34" charset="0"/>
-              <a:cs typeface="Arial" panose="020B0604020202020204" pitchFamily="34" charset="0"/>
-            </a:endParaRPr>
           </a:p>
         </p:txBody>
       </p:sp>
@@ -3956,13 +3917,6 @@
   <p:clrMapOvr>
     <a:masterClrMapping/>
   </p:clrMapOvr>
-  <p:timing>
-    <p:tnLst>
-      <p:par>
-        <p:cTn id="1" dur="indefinite" restart="never" nodeType="tmRoot"/>
-      </p:par>
-    </p:tnLst>
-  </p:timing>
 </p:sld>
 </file>
 
@@ -4022,7 +3976,7 @@
               <a:defRPr/>
             </a:pPr>
             <a:r>
-              <a:rPr kumimoji="0" lang="en-US" sz="1800" b="1" i="0" u="none" strike="noStrike" kern="1200" cap="none" spc="0" normalizeH="0" baseline="0" noProof="0" dirty="0" smtClean="0">
+              <a:rPr kumimoji="0" lang="en-US" sz="1800" b="1" i="0" u="none" strike="noStrike" kern="1200" cap="none" spc="0" normalizeH="0" baseline="0" noProof="0" dirty="0">
                 <a:ln>
                   <a:noFill/>
                 </a:ln>
@@ -4222,7 +4176,7 @@
                 <a:defRPr/>
               </a:pPr>
               <a:r>
-                <a:rPr kumimoji="0" lang="en-US" sz="1400" b="1" i="0" u="none" strike="noStrike" kern="1200" cap="none" spc="0" normalizeH="0" baseline="0" noProof="0" dirty="0" smtClean="0">
+                <a:rPr kumimoji="0" lang="en-US" sz="1400" b="1" i="0" u="none" strike="noStrike" kern="1200" cap="none" spc="0" normalizeH="0" baseline="0" noProof="0" dirty="0">
                   <a:ln>
                     <a:noFill/>
                   </a:ln>
@@ -4238,20 +4192,6 @@
                 </a:rPr>
                 <a:t>RA00003301-01</a:t>
               </a:r>
-              <a:endParaRPr kumimoji="0" lang="en-US" sz="1400" b="1" i="0" u="none" strike="noStrike" kern="1200" cap="none" spc="0" normalizeH="0" baseline="0" noProof="0" dirty="0">
-                <a:ln>
-                  <a:noFill/>
-                </a:ln>
-                <a:solidFill>
-                  <a:prstClr val="black"/>
-                </a:solidFill>
-                <a:effectLst/>
-                <a:uLnTx/>
-                <a:uFillTx/>
-                <a:latin typeface="Arial" panose="020B0604020202020204" pitchFamily="34" charset="0"/>
-                <a:ea typeface="+mn-ea"/>
-                <a:cs typeface="Arial" panose="020B0604020202020204" pitchFamily="34" charset="0"/>
-              </a:endParaRPr>
             </a:p>
           </p:txBody>
         </p:sp>
@@ -4348,7 +4288,7 @@
                 <a:defRPr/>
               </a:pPr>
               <a:r>
-                <a:rPr kumimoji="0" lang="en-US" sz="1400" b="1" i="0" u="none" strike="noStrike" kern="1200" cap="none" spc="0" normalizeH="0" baseline="0" noProof="0" dirty="0" smtClean="0">
+                <a:rPr kumimoji="0" lang="en-US" sz="1400" b="1" i="0" u="none" strike="noStrike" kern="1200" cap="none" spc="0" normalizeH="0" baseline="0" noProof="0" dirty="0">
                   <a:ln>
                     <a:noFill/>
                   </a:ln>
@@ -4364,20 +4304,6 @@
                 </a:rPr>
                 <a:t>RA00003272-01</a:t>
               </a:r>
-              <a:endParaRPr kumimoji="0" lang="en-US" sz="1400" b="1" i="0" u="none" strike="noStrike" kern="1200" cap="none" spc="0" normalizeH="0" baseline="0" noProof="0" dirty="0">
-                <a:ln>
-                  <a:noFill/>
-                </a:ln>
-                <a:solidFill>
-                  <a:prstClr val="black"/>
-                </a:solidFill>
-                <a:effectLst/>
-                <a:uLnTx/>
-                <a:uFillTx/>
-                <a:latin typeface="Arial" panose="020B0604020202020204" pitchFamily="34" charset="0"/>
-                <a:ea typeface="+mn-ea"/>
-                <a:cs typeface="Arial" panose="020B0604020202020204" pitchFamily="34" charset="0"/>
-              </a:endParaRPr>
             </a:p>
           </p:txBody>
         </p:sp>
@@ -4420,7 +4346,7 @@
                 <a:defRPr/>
               </a:pPr>
               <a:r>
-                <a:rPr kumimoji="0" lang="en-US" sz="1400" b="1" i="0" u="none" strike="noStrike" kern="1200" cap="none" spc="0" normalizeH="0" baseline="0" noProof="0" dirty="0" smtClean="0">
+                <a:rPr kumimoji="0" lang="en-US" sz="1400" b="1" i="0" u="none" strike="noStrike" kern="1200" cap="none" spc="0" normalizeH="0" baseline="0" noProof="0" dirty="0">
                   <a:ln>
                     <a:noFill/>
                   </a:ln>
@@ -4437,7 +4363,7 @@
                 <a:t>UNC10414568A</a:t>
               </a:r>
               <a:r>
-                <a:rPr kumimoji="0" lang="en-US" sz="1400" b="1" i="0" u="none" strike="noStrike" kern="1200" cap="none" spc="0" normalizeH="0" baseline="0" noProof="0" dirty="0" smtClean="0">
+                <a:rPr kumimoji="0" lang="en-US" sz="1400" b="1" i="0" u="none" strike="noStrike" kern="1200" cap="none" spc="0" normalizeH="0" baseline="0" noProof="0" dirty="0">
                   <a:ln>
                     <a:noFill/>
                   </a:ln>
@@ -4453,20 +4379,6 @@
                 </a:rPr>
                 <a:t> </a:t>
               </a:r>
-              <a:endParaRPr kumimoji="0" lang="en-US" sz="1400" b="1" i="0" u="none" strike="noStrike" kern="1200" cap="none" spc="0" normalizeH="0" baseline="0" noProof="0" dirty="0">
-                <a:ln>
-                  <a:noFill/>
-                </a:ln>
-                <a:solidFill>
-                  <a:prstClr val="black"/>
-                </a:solidFill>
-                <a:effectLst/>
-                <a:uLnTx/>
-                <a:uFillTx/>
-                <a:latin typeface="Arial" panose="020B0604020202020204" pitchFamily="34" charset="0"/>
-                <a:ea typeface="+mn-ea"/>
-                <a:cs typeface="Arial" panose="020B0604020202020204" pitchFamily="34" charset="0"/>
-              </a:endParaRPr>
             </a:p>
           </p:txBody>
         </p:sp>
@@ -4599,7 +4511,7 @@
           <p:spPr>
             <a:xfrm>
               <a:off x="3638530" y="1624723"/>
-              <a:ext cx="1546962" cy="307777"/>
+              <a:ext cx="1556836" cy="307777"/>
             </a:xfrm>
             <a:prstGeom prst="rect">
               <a:avLst/>
@@ -4632,7 +4544,7 @@
                 <a:defRPr/>
               </a:pPr>
               <a:r>
-                <a:rPr kumimoji="0" lang="en-US" sz="1400" b="1" i="0" u="none" strike="noStrike" kern="1200" cap="none" spc="0" normalizeH="0" baseline="0" noProof="0" dirty="0" smtClean="0">
+                <a:rPr kumimoji="0" lang="en-US" sz="1400" b="1" i="0" u="none" strike="noStrike" kern="1200" cap="none" spc="0" normalizeH="0" baseline="0" noProof="0" dirty="0">
                   <a:ln>
                     <a:noFill/>
                   </a:ln>
@@ -4646,22 +4558,8 @@
                   <a:ea typeface="+mn-ea"/>
                   <a:cs typeface="Arial" panose="020B0604020202020204" pitchFamily="34" charset="0"/>
                 </a:rPr>
-                <a:t>RA-00003118-01</a:t>
+                <a:t>RA-00003318-01</a:t>
               </a:r>
-              <a:endParaRPr kumimoji="0" lang="en-US" sz="1400" b="1" i="0" u="none" strike="noStrike" kern="1200" cap="none" spc="0" normalizeH="0" baseline="0" noProof="0" dirty="0">
-                <a:ln>
-                  <a:noFill/>
-                </a:ln>
-                <a:solidFill>
-                  <a:prstClr val="black"/>
-                </a:solidFill>
-                <a:effectLst/>
-                <a:uLnTx/>
-                <a:uFillTx/>
-                <a:latin typeface="Arial" panose="020B0604020202020204" pitchFamily="34" charset="0"/>
-                <a:ea typeface="+mn-ea"/>
-                <a:cs typeface="Arial" panose="020B0604020202020204" pitchFamily="34" charset="0"/>
-              </a:endParaRPr>
             </a:p>
           </p:txBody>
         </p:sp>
@@ -4841,7 +4739,7 @@
               <a:defRPr/>
             </a:pPr>
             <a:r>
-              <a:rPr kumimoji="0" lang="en-US" sz="1400" b="1" i="0" u="none" strike="noStrike" kern="1200" cap="none" spc="0" normalizeH="0" baseline="0" noProof="0" dirty="0" smtClean="0">
+              <a:rPr kumimoji="0" lang="en-US" sz="1400" b="1" i="0" u="none" strike="noStrike" kern="1200" cap="none" spc="0" normalizeH="0" baseline="0" noProof="0" dirty="0">
                 <a:ln>
                   <a:noFill/>
                 </a:ln>
@@ -4857,20 +4755,6 @@
               </a:rPr>
               <a:t>DENV2  UNC8531</a:t>
             </a:r>
-            <a:endParaRPr kumimoji="0" lang="en-US" sz="1400" b="1" i="0" u="none" strike="noStrike" kern="1200" cap="none" spc="0" normalizeH="0" baseline="0" noProof="0" dirty="0">
-              <a:ln>
-                <a:noFill/>
-              </a:ln>
-              <a:solidFill>
-                <a:prstClr val="black"/>
-              </a:solidFill>
-              <a:effectLst/>
-              <a:uLnTx/>
-              <a:uFillTx/>
-              <a:latin typeface="Arial" panose="020B0604020202020204" pitchFamily="34" charset="0"/>
-              <a:ea typeface="+mn-ea"/>
-              <a:cs typeface="Arial" panose="020B0604020202020204" pitchFamily="34" charset="0"/>
-            </a:endParaRPr>
           </a:p>
         </p:txBody>
       </p:sp>
@@ -4913,7 +4797,7 @@
               <a:defRPr/>
             </a:pPr>
             <a:r>
-              <a:rPr kumimoji="0" lang="en-US" sz="2400" b="1" i="0" u="none" strike="noStrike" kern="1200" cap="none" spc="0" normalizeH="0" baseline="0" noProof="0" dirty="0" smtClean="0">
+              <a:rPr kumimoji="0" lang="en-US" sz="2400" b="1" i="0" u="none" strike="noStrike" kern="1200" cap="none" spc="0" normalizeH="0" baseline="0" noProof="0" dirty="0">
                 <a:ln>
                   <a:noFill/>
                 </a:ln>
@@ -4930,7 +4814,7 @@
               <a:t>Off-target compound assessment</a:t>
             </a:r>
             <a:r>
-              <a:rPr kumimoji="0" lang="en-US" sz="2400" b="1" i="0" u="none" strike="noStrike" kern="1200" cap="none" spc="0" normalizeH="0" noProof="0" dirty="0" smtClean="0">
+              <a:rPr kumimoji="0" lang="en-US" sz="2400" b="1" i="0" u="none" strike="noStrike" kern="1200" cap="none" spc="0" normalizeH="0" noProof="0" dirty="0">
                 <a:ln>
                   <a:noFill/>
                 </a:ln>
@@ -4947,7 +4831,7 @@
               <a:t> using 5</a:t>
             </a:r>
             <a:r>
-              <a:rPr kumimoji="0" lang="en-US" sz="2400" b="1" i="0" u="none" strike="noStrike" kern="1200" cap="none" spc="0" normalizeH="0" baseline="0" noProof="0" dirty="0" smtClean="0">
+              <a:rPr kumimoji="0" lang="en-US" sz="2400" b="1" i="0" u="none" strike="noStrike" kern="1200" cap="none" spc="0" normalizeH="0" baseline="0" noProof="0" dirty="0">
                 <a:ln>
                   <a:noFill/>
                 </a:ln>
@@ -4964,7 +4848,7 @@
               <a:t>3BP1 (</a:t>
             </a:r>
             <a:r>
-              <a:rPr kumimoji="0" lang="en-US" sz="2400" b="1" i="0" u="none" strike="noStrike" kern="1200" cap="none" spc="0" normalizeH="0" baseline="0" noProof="0" dirty="0" err="1" smtClean="0">
+              <a:rPr kumimoji="0" lang="en-US" sz="2400" b="1" i="0" u="none" strike="noStrike" kern="1200" cap="none" spc="0" normalizeH="0" baseline="0" noProof="0" dirty="0" err="1">
                 <a:ln>
                   <a:noFill/>
                 </a:ln>
@@ -4981,7 +4865,7 @@
               <a:t>Kme</a:t>
             </a:r>
             <a:r>
-              <a:rPr kumimoji="0" lang="en-US" sz="2400" b="1" i="0" u="none" strike="noStrike" kern="1200" cap="none" spc="0" normalizeH="0" baseline="0" noProof="0" dirty="0" smtClean="0">
+              <a:rPr kumimoji="0" lang="en-US" sz="2400" b="1" i="0" u="none" strike="noStrike" kern="1200" cap="none" spc="0" normalizeH="0" baseline="0" noProof="0" dirty="0">
                 <a:ln>
                   <a:noFill/>
                 </a:ln>
@@ -5115,10 +4999,9 @@
           <a:lstStyle/>
           <a:p>
             <a:r>
-              <a:rPr lang="en-US" dirty="0" smtClean="0"/>
+              <a:rPr lang="en-US" dirty="0"/>
               <a:t>UNC8531 small molecule ligand for 53BP1</a:t>
             </a:r>
-            <a:endParaRPr lang="en-US" dirty="0"/>
           </a:p>
         </p:txBody>
       </p:sp>
@@ -5132,13 +5015,6 @@
   <p:clrMapOvr>
     <a:masterClrMapping/>
   </p:clrMapOvr>
-  <p:timing>
-    <p:tnLst>
-      <p:par>
-        <p:cTn id="1" dur="indefinite" restart="never" nodeType="tmRoot"/>
-      </p:par>
-    </p:tnLst>
-  </p:timing>
 </p:sld>
 </file>
 
@@ -5189,36 +5065,12 @@
               </a:tabLst>
             </a:pPr>
             <a:r>
-              <a:rPr lang="en-US" dirty="0" smtClean="0">
-                <a:latin typeface="Arial" panose="020B0604020202020204" pitchFamily="34" charset="0"/>
-                <a:ea typeface="Times New Roman" panose="02020603050405020304" pitchFamily="18" charset="0"/>
-                <a:cs typeface="Arial" panose="020B0604020202020204" pitchFamily="34" charset="0"/>
-              </a:rPr>
-              <a:t>RA-0003301-01</a:t>
-            </a:r>
-            <a:r>
               <a:rPr lang="en-US" dirty="0">
                 <a:latin typeface="Arial" panose="020B0604020202020204" pitchFamily="34" charset="0"/>
                 <a:ea typeface="Times New Roman" panose="02020603050405020304" pitchFamily="18" charset="0"/>
                 <a:cs typeface="Arial" panose="020B0604020202020204" pitchFamily="34" charset="0"/>
               </a:rPr>
-              <a:t>: </a:t>
-            </a:r>
-            <a:r>
-              <a:rPr lang="en-US" dirty="0" smtClean="0">
-                <a:latin typeface="Arial" panose="020B0604020202020204" pitchFamily="34" charset="0"/>
-                <a:ea typeface="Times New Roman" panose="02020603050405020304" pitchFamily="18" charset="0"/>
-                <a:cs typeface="Arial" panose="020B0604020202020204" pitchFamily="34" charset="0"/>
-              </a:rPr>
-              <a:t>3.4 µM </a:t>
-            </a:r>
-            <a:r>
-              <a:rPr lang="en-US" dirty="0">
-                <a:latin typeface="Arial" panose="020B0604020202020204" pitchFamily="34" charset="0"/>
-                <a:ea typeface="Times New Roman" panose="02020603050405020304" pitchFamily="18" charset="0"/>
-                <a:cs typeface="Arial" panose="020B0604020202020204" pitchFamily="34" charset="0"/>
-              </a:rPr>
-              <a:t>DENV2 EC</a:t>
+              <a:t>RA-0003301-01: 3.4 µM DENV2 EC</a:t>
             </a:r>
             <a:r>
               <a:rPr lang="en-US" baseline="-25000" dirty="0">
@@ -5234,15 +5086,15 @@
                 <a:ea typeface="Times New Roman" panose="02020603050405020304" pitchFamily="18" charset="0"/>
                 <a:cs typeface="Arial" panose="020B0604020202020204" pitchFamily="34" charset="0"/>
               </a:rPr>
-              <a:t>, </a:t>
-            </a:r>
-            <a:r>
-              <a:rPr lang="en-US" dirty="0" smtClean="0">
+              <a:t>, 4.1 µM DENV4 EC</a:t>
+            </a:r>
+            <a:r>
+              <a:rPr lang="en-US" baseline="-25000" dirty="0">
                 <a:latin typeface="Arial" panose="020B0604020202020204" pitchFamily="34" charset="0"/>
                 <a:ea typeface="Times New Roman" panose="02020603050405020304" pitchFamily="18" charset="0"/>
                 <a:cs typeface="Arial" panose="020B0604020202020204" pitchFamily="34" charset="0"/>
               </a:rPr>
-              <a:t>4.1 µM </a:t>
+              <a:t>50</a:t>
             </a:r>
             <a:r>
               <a:rPr lang="en-US" dirty="0">
@@ -5250,52 +5102,21 @@
                 <a:ea typeface="Times New Roman" panose="02020603050405020304" pitchFamily="18" charset="0"/>
                 <a:cs typeface="Arial" panose="020B0604020202020204" pitchFamily="34" charset="0"/>
               </a:rPr>
-              <a:t>DENV4 </a:t>
-            </a:r>
-            <a:r>
-              <a:rPr lang="en-US" dirty="0" smtClean="0">
-                <a:latin typeface="Arial" panose="020B0604020202020204" pitchFamily="34" charset="0"/>
-                <a:ea typeface="Times New Roman" panose="02020603050405020304" pitchFamily="18" charset="0"/>
-                <a:cs typeface="Arial" panose="020B0604020202020204" pitchFamily="34" charset="0"/>
-              </a:rPr>
-              <a:t>EC</a:t>
-            </a:r>
-            <a:r>
-              <a:rPr lang="en-US" baseline="-25000" dirty="0" smtClean="0">
-                <a:latin typeface="Arial" panose="020B0604020202020204" pitchFamily="34" charset="0"/>
-                <a:ea typeface="Times New Roman" panose="02020603050405020304" pitchFamily="18" charset="0"/>
-                <a:cs typeface="Arial" panose="020B0604020202020204" pitchFamily="34" charset="0"/>
-              </a:rPr>
-              <a:t>50</a:t>
-            </a:r>
-            <a:r>
-              <a:rPr lang="en-US" dirty="0" smtClean="0">
-                <a:latin typeface="Arial" panose="020B0604020202020204" pitchFamily="34" charset="0"/>
-                <a:ea typeface="Times New Roman" panose="02020603050405020304" pitchFamily="18" charset="0"/>
-                <a:cs typeface="Arial" panose="020B0604020202020204" pitchFamily="34" charset="0"/>
-              </a:rPr>
               <a:t>                </a:t>
             </a:r>
             <a:r>
-              <a:rPr lang="en-US" dirty="0" err="1" smtClean="0">
+              <a:rPr lang="en-US" dirty="0" err="1">
                 <a:latin typeface="Arial" panose="020B0604020202020204" pitchFamily="34" charset="0"/>
                 <a:cs typeface="Arial" panose="020B0604020202020204" pitchFamily="34" charset="0"/>
               </a:rPr>
               <a:t>Kd</a:t>
             </a:r>
             <a:r>
-              <a:rPr lang="en-US" dirty="0" smtClean="0">
-                <a:latin typeface="Arial" panose="020B0604020202020204" pitchFamily="34" charset="0"/>
-                <a:cs typeface="Arial" panose="020B0604020202020204" pitchFamily="34" charset="0"/>
-              </a:rPr>
-              <a:t> 16.2 </a:t>
-            </a:r>
-            <a:r>
               <a:rPr lang="en-US" dirty="0">
                 <a:latin typeface="Arial" panose="020B0604020202020204" pitchFamily="34" charset="0"/>
                 <a:cs typeface="Arial" panose="020B0604020202020204" pitchFamily="34" charset="0"/>
               </a:rPr>
-              <a:t>µM</a:t>
+              <a:t> 16.2 µM</a:t>
             </a:r>
           </a:p>
           <a:p>
@@ -5337,23 +5158,7 @@
                 <a:ea typeface="Times New Roman" panose="02020603050405020304" pitchFamily="18" charset="0"/>
                 <a:cs typeface="Arial" panose="020B0604020202020204" pitchFamily="34" charset="0"/>
               </a:rPr>
-              <a:t>RA-0003318-01: </a:t>
-            </a:r>
-            <a:r>
-              <a:rPr lang="en-US" dirty="0" smtClean="0">
-                <a:latin typeface="Arial" panose="020B0604020202020204" pitchFamily="34" charset="0"/>
-                <a:ea typeface="Times New Roman" panose="02020603050405020304" pitchFamily="18" charset="0"/>
-                <a:cs typeface="Arial" panose="020B0604020202020204" pitchFamily="34" charset="0"/>
-              </a:rPr>
-              <a:t>6.0 µM </a:t>
-            </a:r>
-            <a:r>
-              <a:rPr lang="en-US" dirty="0">
-                <a:latin typeface="Arial" panose="020B0604020202020204" pitchFamily="34" charset="0"/>
-                <a:ea typeface="Times New Roman" panose="02020603050405020304" pitchFamily="18" charset="0"/>
-                <a:cs typeface="Arial" panose="020B0604020202020204" pitchFamily="34" charset="0"/>
-              </a:rPr>
-              <a:t>DENV2 EC</a:t>
+              <a:t>RA-0003318-01: 6.0 µM DENV2 EC</a:t>
             </a:r>
             <a:r>
               <a:rPr lang="en-US" baseline="-25000" dirty="0">
@@ -5369,25 +5174,17 @@
                 <a:ea typeface="Times New Roman" panose="02020603050405020304" pitchFamily="18" charset="0"/>
                 <a:cs typeface="Arial" panose="020B0604020202020204" pitchFamily="34" charset="0"/>
               </a:rPr>
-              <a:t>, Not Active (&gt;10uM) </a:t>
-            </a:r>
-            <a:r>
-              <a:rPr lang="en-US" dirty="0" smtClean="0">
-                <a:latin typeface="Arial" panose="020B0604020202020204" pitchFamily="34" charset="0"/>
-                <a:ea typeface="Times New Roman" panose="02020603050405020304" pitchFamily="18" charset="0"/>
-                <a:cs typeface="Arial" panose="020B0604020202020204" pitchFamily="34" charset="0"/>
-              </a:rPr>
-              <a:t>DENV4     </a:t>
-            </a:r>
-            <a:r>
-              <a:rPr lang="en-US" dirty="0" err="1" smtClean="0">
+              <a:t>, Not Active (&gt;10uM) DENV4     </a:t>
+            </a:r>
+            <a:r>
+              <a:rPr lang="en-US" dirty="0" err="1">
                 <a:latin typeface="Arial" panose="020B0604020202020204" pitchFamily="34" charset="0"/>
                 <a:cs typeface="Arial" panose="020B0604020202020204" pitchFamily="34" charset="0"/>
               </a:rPr>
               <a:t>Kd</a:t>
             </a:r>
             <a:r>
-              <a:rPr lang="en-US" baseline="-25000" dirty="0" smtClean="0">
+              <a:rPr lang="en-US" baseline="-25000" dirty="0">
                 <a:latin typeface="Arial" panose="020B0604020202020204" pitchFamily="34" charset="0"/>
                 <a:cs typeface="Arial" panose="020B0604020202020204" pitchFamily="34" charset="0"/>
               </a:rPr>
@@ -5398,16 +5195,9 @@
                 <a:latin typeface="Arial" panose="020B0604020202020204" pitchFamily="34" charset="0"/>
                 <a:cs typeface="Arial" panose="020B0604020202020204" pitchFamily="34" charset="0"/>
               </a:rPr>
-              <a:t>43.4 </a:t>
-            </a:r>
-            <a:r>
-              <a:rPr lang="en-US" dirty="0" smtClean="0">
-                <a:latin typeface="Arial" panose="020B0604020202020204" pitchFamily="34" charset="0"/>
-                <a:cs typeface="Arial" panose="020B0604020202020204" pitchFamily="34" charset="0"/>
-              </a:rPr>
-              <a:t>µM</a:t>
-            </a:r>
-            <a:endParaRPr lang="en-US" dirty="0" smtClean="0">
+              <a:t>43.4 µM</a:t>
+            </a:r>
+            <a:endParaRPr lang="en-US" dirty="0">
               <a:latin typeface="Arial" panose="020B0604020202020204" pitchFamily="34" charset="0"/>
               <a:ea typeface="Times New Roman" panose="02020603050405020304" pitchFamily="18" charset="0"/>
               <a:cs typeface="Arial" panose="020B0604020202020204" pitchFamily="34" charset="0"/>
@@ -5428,23 +5218,7 @@
                 <a:ea typeface="Times New Roman" panose="02020603050405020304" pitchFamily="18" charset="0"/>
                 <a:cs typeface="Arial" panose="020B0604020202020204" pitchFamily="34" charset="0"/>
               </a:rPr>
-              <a:t>RA-0003272-01: </a:t>
-            </a:r>
-            <a:r>
-              <a:rPr lang="en-US" dirty="0" smtClean="0">
-                <a:latin typeface="Arial" panose="020B0604020202020204" pitchFamily="34" charset="0"/>
-                <a:ea typeface="Times New Roman" panose="02020603050405020304" pitchFamily="18" charset="0"/>
-                <a:cs typeface="Arial" panose="020B0604020202020204" pitchFamily="34" charset="0"/>
-              </a:rPr>
-              <a:t>7.6 µM </a:t>
-            </a:r>
-            <a:r>
-              <a:rPr lang="en-US" dirty="0">
-                <a:latin typeface="Arial" panose="020B0604020202020204" pitchFamily="34" charset="0"/>
-                <a:ea typeface="Times New Roman" panose="02020603050405020304" pitchFamily="18" charset="0"/>
-                <a:cs typeface="Arial" panose="020B0604020202020204" pitchFamily="34" charset="0"/>
-              </a:rPr>
-              <a:t>DENV2 EC</a:t>
+              <a:t>RA-0003272-01: 7.6 µM DENV2 EC</a:t>
             </a:r>
             <a:r>
               <a:rPr lang="en-US" baseline="-25000" dirty="0">
@@ -5460,34 +5234,22 @@
                 <a:ea typeface="Times New Roman" panose="02020603050405020304" pitchFamily="18" charset="0"/>
                 <a:cs typeface="Arial" panose="020B0604020202020204" pitchFamily="34" charset="0"/>
               </a:rPr>
-              <a:t>, Not Active (&gt;10uM) </a:t>
-            </a:r>
-            <a:r>
-              <a:rPr lang="en-US" dirty="0" smtClean="0">
-                <a:latin typeface="Arial" panose="020B0604020202020204" pitchFamily="34" charset="0"/>
-                <a:ea typeface="Times New Roman" panose="02020603050405020304" pitchFamily="18" charset="0"/>
-                <a:cs typeface="Arial" panose="020B0604020202020204" pitchFamily="34" charset="0"/>
-              </a:rPr>
-              <a:t>DENV4     </a:t>
-            </a:r>
-            <a:r>
-              <a:rPr lang="en-US" dirty="0" err="1" smtClean="0">
+              <a:t>, Not Active (&gt;10uM) DENV4     </a:t>
+            </a:r>
+            <a:r>
+              <a:rPr lang="en-US" dirty="0" err="1">
                 <a:latin typeface="Arial" panose="020B0604020202020204" pitchFamily="34" charset="0"/>
                 <a:cs typeface="Arial" panose="020B0604020202020204" pitchFamily="34" charset="0"/>
               </a:rPr>
               <a:t>Kd</a:t>
             </a:r>
             <a:r>
-              <a:rPr lang="en-US" dirty="0" smtClean="0">
+              <a:rPr lang="en-US" dirty="0">
                 <a:latin typeface="Arial" panose="020B0604020202020204" pitchFamily="34" charset="0"/>
                 <a:cs typeface="Arial" panose="020B0604020202020204" pitchFamily="34" charset="0"/>
               </a:rPr>
               <a:t> 53.7 µM</a:t>
             </a:r>
-            <a:endParaRPr lang="en-US" dirty="0">
-              <a:latin typeface="Arial" panose="020B0604020202020204" pitchFamily="34" charset="0"/>
-              <a:cs typeface="Arial" panose="020B0604020202020204" pitchFamily="34" charset="0"/>
-            </a:endParaRPr>
           </a:p>
         </p:txBody>
       </p:sp>
@@ -5514,16 +5276,12 @@
           <a:lstStyle/>
           <a:p>
             <a:r>
-              <a:rPr lang="en-US" sz="2000" dirty="0" smtClean="0">
+              <a:rPr lang="en-US" sz="2000" dirty="0">
                 <a:latin typeface="Arial" panose="020B0604020202020204" pitchFamily="34" charset="0"/>
                 <a:cs typeface="Arial" panose="020B0604020202020204" pitchFamily="34" charset="0"/>
               </a:rPr>
               <a:t>Anti-viral data:</a:t>
             </a:r>
-            <a:endParaRPr lang="en-US" sz="2000" dirty="0">
-              <a:latin typeface="Arial" panose="020B0604020202020204" pitchFamily="34" charset="0"/>
-              <a:cs typeface="Arial" panose="020B0604020202020204" pitchFamily="34" charset="0"/>
-            </a:endParaRPr>
           </a:p>
         </p:txBody>
       </p:sp>
@@ -5533,9 +5291,7 @@
           <p:cNvGraphicFramePr>
             <a:graphicFrameLocks noGrp="1"/>
           </p:cNvGraphicFramePr>
-          <p:nvPr>
-            <p:extLst/>
-          </p:nvPr>
+          <p:nvPr/>
         </p:nvGraphicFramePr>
         <p:xfrm>
           <a:off x="676415" y="4357982"/>
@@ -5609,7 +5365,7 @@
                         </a:spcAft>
                       </a:pPr>
                       <a:r>
-                        <a:rPr lang="en-US" sz="1400" dirty="0" smtClean="0">
+                        <a:rPr lang="en-US" sz="1400" dirty="0">
                           <a:effectLst/>
                           <a:latin typeface="Arial" panose="020B0604020202020204" pitchFamily="34" charset="0"/>
                           <a:cs typeface="Arial" panose="020B0604020202020204" pitchFamily="34" charset="0"/>
@@ -5687,14 +5443,14 @@
                         <a:defRPr/>
                       </a:pPr>
                       <a:r>
-                        <a:rPr lang="en-US" sz="1400" b="1" dirty="0" smtClean="0">
+                        <a:rPr lang="en-US" sz="1400" b="1" dirty="0">
                           <a:effectLst/>
                           <a:latin typeface="Arial" panose="020B0604020202020204" pitchFamily="34" charset="0"/>
                           <a:cs typeface="Arial" panose="020B0604020202020204" pitchFamily="34" charset="0"/>
                         </a:rPr>
                         <a:t>2.66 µM</a:t>
                       </a:r>
-                      <a:endParaRPr lang="en-US" sz="1400" b="1" dirty="0" smtClean="0">
+                      <a:endParaRPr lang="en-US" sz="1400" b="1" dirty="0">
                         <a:effectLst/>
                         <a:latin typeface="Arial" panose="020B0604020202020204" pitchFamily="34" charset="0"/>
                         <a:ea typeface="Calibri" panose="020F0502020204030204" pitchFamily="34" charset="0"/>
@@ -5756,7 +5512,7 @@
                         </a:spcAft>
                       </a:pPr>
                       <a:r>
-                        <a:rPr lang="en-US" sz="1400" b="1" dirty="0" smtClean="0">
+                        <a:rPr lang="en-US" sz="1400" b="1" dirty="0">
                           <a:effectLst/>
                           <a:latin typeface="Arial" panose="020B0604020202020204" pitchFamily="34" charset="0"/>
                           <a:cs typeface="Arial" panose="020B0604020202020204" pitchFamily="34" charset="0"/>
@@ -5806,16 +5562,12 @@
           <a:lstStyle/>
           <a:p>
             <a:r>
-              <a:rPr lang="en-US" sz="2000" dirty="0" smtClean="0">
+              <a:rPr lang="en-US" sz="2000" dirty="0">
                 <a:latin typeface="Arial" panose="020B0604020202020204" pitchFamily="34" charset="0"/>
                 <a:cs typeface="Arial" panose="020B0604020202020204" pitchFamily="34" charset="0"/>
               </a:rPr>
               <a:t>Solubility:</a:t>
             </a:r>
-            <a:endParaRPr lang="en-US" sz="2000" dirty="0">
-              <a:latin typeface="Arial" panose="020B0604020202020204" pitchFamily="34" charset="0"/>
-              <a:cs typeface="Arial" panose="020B0604020202020204" pitchFamily="34" charset="0"/>
-            </a:endParaRPr>
           </a:p>
         </p:txBody>
       </p:sp>
@@ -5841,28 +5593,21 @@
           <a:lstStyle/>
           <a:p>
             <a:r>
-              <a:rPr lang="en-US" dirty="0" err="1" smtClean="0">
+              <a:rPr lang="en-US" dirty="0" err="1">
                 <a:latin typeface="Arial" panose="020B0604020202020204" pitchFamily="34" charset="0"/>
                 <a:cs typeface="Arial" panose="020B0604020202020204" pitchFamily="34" charset="0"/>
               </a:rPr>
               <a:t>WaveDelta</a:t>
             </a:r>
             <a:r>
-              <a:rPr lang="en-US" dirty="0" smtClean="0">
+              <a:rPr lang="en-US" dirty="0">
                 <a:latin typeface="Arial" panose="020B0604020202020204" pitchFamily="34" charset="0"/>
                 <a:cs typeface="Arial" panose="020B0604020202020204" pitchFamily="34" charset="0"/>
               </a:rPr>
-              <a:t> </a:t>
-            </a:r>
-            <a:r>
-              <a:rPr lang="en-US" dirty="0" smtClean="0">
-                <a:latin typeface="Arial" panose="020B0604020202020204" pitchFamily="34" charset="0"/>
-                <a:cs typeface="Arial" panose="020B0604020202020204" pitchFamily="34" charset="0"/>
-              </a:rPr>
-              <a:t>CGI (</a:t>
-            </a:r>
-            <a:r>
-              <a:rPr lang="en-US" smtClean="0">
+              <a:t> CGI (</a:t>
+            </a:r>
+            <a:r>
+              <a:rPr lang="en-US">
                 <a:latin typeface="Arial" panose="020B0604020202020204" pitchFamily="34" charset="0"/>
                 <a:cs typeface="Arial" panose="020B0604020202020204" pitchFamily="34" charset="0"/>
               </a:rPr>
@@ -5914,7 +5659,7 @@
               <a:defRPr/>
             </a:pPr>
             <a:r>
-              <a:rPr kumimoji="0" lang="en-US" sz="2400" b="1" i="0" u="none" strike="noStrike" kern="1200" cap="none" spc="0" normalizeH="0" baseline="0" noProof="0" dirty="0" smtClean="0">
+              <a:rPr kumimoji="0" lang="en-US" sz="2400" b="1" i="0" u="none" strike="noStrike" kern="1200" cap="none" spc="0" normalizeH="0" baseline="0" noProof="0" dirty="0">
                 <a:ln>
                   <a:noFill/>
                 </a:ln>
@@ -5938,20 +5683,10 @@
                 <a:latin typeface="Arial" panose="020B0604020202020204" pitchFamily="34" charset="0"/>
                 <a:cs typeface="Arial" panose="020B0604020202020204" pitchFamily="34" charset="0"/>
               </a:rPr>
-              <a:t> </a:t>
-            </a:r>
-            <a:r>
-              <a:rPr lang="en-US" sz="2400" b="1" noProof="0" dirty="0" smtClean="0">
-                <a:solidFill>
-                  <a:srgbClr val="000000"/>
-                </a:solidFill>
-                <a:latin typeface="Arial" panose="020B0604020202020204" pitchFamily="34" charset="0"/>
-                <a:cs typeface="Arial" panose="020B0604020202020204" pitchFamily="34" charset="0"/>
-              </a:rPr>
-              <a:t>summary</a:t>
-            </a:r>
-            <a:r>
-              <a:rPr kumimoji="0" lang="en-US" sz="2400" b="1" i="0" u="none" strike="noStrike" kern="1200" cap="none" spc="0" normalizeH="0" baseline="0" noProof="0" dirty="0" smtClean="0">
+              <a:t> summary</a:t>
+            </a:r>
+            <a:r>
+              <a:rPr kumimoji="0" lang="en-US" sz="2400" b="1" i="0" u="none" strike="noStrike" kern="1200" cap="none" spc="0" normalizeH="0" baseline="0" noProof="0" dirty="0">
                 <a:ln>
                   <a:noFill/>
                 </a:ln>
@@ -6072,13 +5807,6 @@
   <p:clrMapOvr>
     <a:masterClrMapping/>
   </p:clrMapOvr>
-  <p:timing>
-    <p:tnLst>
-      <p:par>
-        <p:cTn id="1" dur="indefinite" restart="never" nodeType="tmRoot"/>
-      </p:par>
-    </p:tnLst>
-  </p:timing>
 </p:sld>
 </file>
 
